--- a/docs/diagrams/UiComponentBirthdayListSequenceDiagram.pptx
+++ b/docs/diagrams/UiComponentBirthdayListSequenceDiagram.pptx
@@ -208,7 +208,7 @@
           <a:p>
             <a:fld id="{F5CC4B3F-88C1-4FFA-B1B6-F41C21DC6924}" type="datetimeFigureOut">
               <a:rPr lang="en-US" smtClean="0"/>
-              <a:t>3/25/2018</a:t>
+              <a:t>3/27/2018</a:t>
             </a:fld>
             <a:endParaRPr lang="en-US"/>
           </a:p>
@@ -654,7 +654,7 @@
           <a:p>
             <a:fld id="{78C97017-6FC3-485B-9764-EAC9E56C1D49}" type="datetimeFigureOut">
               <a:rPr lang="en-US" smtClean="0"/>
-              <a:t>3/25/2018</a:t>
+              <a:t>3/27/2018</a:t>
             </a:fld>
             <a:endParaRPr lang="en-US"/>
           </a:p>
@@ -822,7 +822,7 @@
           <a:p>
             <a:fld id="{78C97017-6FC3-485B-9764-EAC9E56C1D49}" type="datetimeFigureOut">
               <a:rPr lang="en-US" smtClean="0"/>
-              <a:t>3/25/2018</a:t>
+              <a:t>3/27/2018</a:t>
             </a:fld>
             <a:endParaRPr lang="en-US"/>
           </a:p>
@@ -1000,7 +1000,7 @@
           <a:p>
             <a:fld id="{78C97017-6FC3-485B-9764-EAC9E56C1D49}" type="datetimeFigureOut">
               <a:rPr lang="en-US" smtClean="0"/>
-              <a:t>3/25/2018</a:t>
+              <a:t>3/27/2018</a:t>
             </a:fld>
             <a:endParaRPr lang="en-US"/>
           </a:p>
@@ -1168,7 +1168,7 @@
           <a:p>
             <a:fld id="{78C97017-6FC3-485B-9764-EAC9E56C1D49}" type="datetimeFigureOut">
               <a:rPr lang="en-US" smtClean="0"/>
-              <a:t>3/25/2018</a:t>
+              <a:t>3/27/2018</a:t>
             </a:fld>
             <a:endParaRPr lang="en-US"/>
           </a:p>
@@ -1413,7 +1413,7 @@
           <a:p>
             <a:fld id="{78C97017-6FC3-485B-9764-EAC9E56C1D49}" type="datetimeFigureOut">
               <a:rPr lang="en-US" smtClean="0"/>
-              <a:t>3/25/2018</a:t>
+              <a:t>3/27/2018</a:t>
             </a:fld>
             <a:endParaRPr lang="en-US"/>
           </a:p>
@@ -1698,7 +1698,7 @@
           <a:p>
             <a:fld id="{78C97017-6FC3-485B-9764-EAC9E56C1D49}" type="datetimeFigureOut">
               <a:rPr lang="en-US" smtClean="0"/>
-              <a:t>3/25/2018</a:t>
+              <a:t>3/27/2018</a:t>
             </a:fld>
             <a:endParaRPr lang="en-US"/>
           </a:p>
@@ -2117,7 +2117,7 @@
           <a:p>
             <a:fld id="{78C97017-6FC3-485B-9764-EAC9E56C1D49}" type="datetimeFigureOut">
               <a:rPr lang="en-US" smtClean="0"/>
-              <a:t>3/25/2018</a:t>
+              <a:t>3/27/2018</a:t>
             </a:fld>
             <a:endParaRPr lang="en-US"/>
           </a:p>
@@ -2234,7 +2234,7 @@
           <a:p>
             <a:fld id="{78C97017-6FC3-485B-9764-EAC9E56C1D49}" type="datetimeFigureOut">
               <a:rPr lang="en-US" smtClean="0"/>
-              <a:t>3/25/2018</a:t>
+              <a:t>3/27/2018</a:t>
             </a:fld>
             <a:endParaRPr lang="en-US"/>
           </a:p>
@@ -2329,7 +2329,7 @@
           <a:p>
             <a:fld id="{78C97017-6FC3-485B-9764-EAC9E56C1D49}" type="datetimeFigureOut">
               <a:rPr lang="en-US" smtClean="0"/>
-              <a:t>3/25/2018</a:t>
+              <a:t>3/27/2018</a:t>
             </a:fld>
             <a:endParaRPr lang="en-US"/>
           </a:p>
@@ -2604,7 +2604,7 @@
           <a:p>
             <a:fld id="{78C97017-6FC3-485B-9764-EAC9E56C1D49}" type="datetimeFigureOut">
               <a:rPr lang="en-US" smtClean="0"/>
-              <a:t>3/25/2018</a:t>
+              <a:t>3/27/2018</a:t>
             </a:fld>
             <a:endParaRPr lang="en-US"/>
           </a:p>
@@ -2856,7 +2856,7 @@
           <a:p>
             <a:fld id="{78C97017-6FC3-485B-9764-EAC9E56C1D49}" type="datetimeFigureOut">
               <a:rPr lang="en-US" smtClean="0"/>
-              <a:t>3/25/2018</a:t>
+              <a:t>3/27/2018</a:t>
             </a:fld>
             <a:endParaRPr lang="en-US"/>
           </a:p>
@@ -3067,7 +3067,7 @@
           <a:p>
             <a:fld id="{78C97017-6FC3-485B-9764-EAC9E56C1D49}" type="datetimeFigureOut">
               <a:rPr lang="en-US" smtClean="0"/>
-              <a:t>3/25/2018</a:t>
+              <a:t>3/27/2018</a:t>
             </a:fld>
             <a:endParaRPr lang="en-US"/>
           </a:p>
@@ -3886,90 +3886,6 @@
           </a:p>
         </p:txBody>
       </p:sp>
-      <p:cxnSp>
-        <p:nvCxnSpPr>
-          <p:cNvPr id="75" name="Straight Arrow Connector 74"/>
-          <p:cNvCxnSpPr>
-            <a:cxnSpLocks/>
-          </p:cNvCxnSpPr>
-          <p:nvPr/>
-        </p:nvCxnSpPr>
-        <p:spPr>
-          <a:xfrm>
-            <a:off x="6943953" y="2716585"/>
-            <a:ext cx="1057047" cy="0"/>
-          </a:xfrm>
-          <a:prstGeom prst="straightConnector1">
-            <a:avLst/>
-          </a:prstGeom>
-          <a:ln w="19050">
-            <a:solidFill>
-              <a:schemeClr val="accent4">
-                <a:lumMod val="60000"/>
-                <a:lumOff val="40000"/>
-              </a:schemeClr>
-            </a:solidFill>
-            <a:tailEnd type="arrow"/>
-          </a:ln>
-        </p:spPr>
-        <p:style>
-          <a:lnRef idx="1">
-            <a:schemeClr val="accent1"/>
-          </a:lnRef>
-          <a:fillRef idx="0">
-            <a:schemeClr val="accent1"/>
-          </a:fillRef>
-          <a:effectRef idx="0">
-            <a:schemeClr val="accent1"/>
-          </a:effectRef>
-          <a:fontRef idx="minor">
-            <a:schemeClr val="tx1"/>
-          </a:fontRef>
-        </p:style>
-      </p:cxnSp>
-      <p:cxnSp>
-        <p:nvCxnSpPr>
-          <p:cNvPr id="76" name="Straight Arrow Connector 75"/>
-          <p:cNvCxnSpPr>
-            <a:cxnSpLocks/>
-          </p:cNvCxnSpPr>
-          <p:nvPr/>
-        </p:nvCxnSpPr>
-        <p:spPr>
-          <a:xfrm>
-            <a:off x="6961891" y="2941145"/>
-            <a:ext cx="1021170" cy="0"/>
-          </a:xfrm>
-          <a:prstGeom prst="straightConnector1">
-            <a:avLst/>
-          </a:prstGeom>
-          <a:ln w="19050">
-            <a:solidFill>
-              <a:schemeClr val="accent4">
-                <a:lumMod val="60000"/>
-                <a:lumOff val="40000"/>
-              </a:schemeClr>
-            </a:solidFill>
-            <a:prstDash val="sysDash"/>
-            <a:headEnd type="arrow" w="med" len="med"/>
-            <a:tailEnd type="none" w="med" len="med"/>
-          </a:ln>
-        </p:spPr>
-        <p:style>
-          <a:lnRef idx="1">
-            <a:schemeClr val="accent1"/>
-          </a:lnRef>
-          <a:fillRef idx="0">
-            <a:schemeClr val="accent1"/>
-          </a:fillRef>
-          <a:effectRef idx="0">
-            <a:schemeClr val="accent1"/>
-          </a:effectRef>
-          <a:fontRef idx="minor">
-            <a:schemeClr val="tx1"/>
-          </a:fontRef>
-        </p:style>
-      </p:cxnSp>
       <p:sp>
         <p:nvSpPr>
           <p:cNvPr id="78" name="TextBox 77"/>
@@ -4575,186 +4491,6 @@
           </a:fontRef>
         </p:style>
       </p:cxnSp>
-      <p:sp>
-        <p:nvSpPr>
-          <p:cNvPr id="70" name="Rectangle 62">
-            <a:extLst>
-              <a:ext uri="{FF2B5EF4-FFF2-40B4-BE49-F238E27FC236}">
-                <a16:creationId xmlns:a16="http://schemas.microsoft.com/office/drawing/2014/main" id="{5EC68DE8-CDC9-4CCB-B8DA-3BB340B04303}"/>
-              </a:ext>
-            </a:extLst>
-          </p:cNvPr>
-          <p:cNvSpPr/>
-          <p:nvPr/>
-        </p:nvSpPr>
-        <p:spPr>
-          <a:xfrm>
-            <a:off x="7558862" y="1534423"/>
-            <a:ext cx="1030504" cy="346760"/>
-          </a:xfrm>
-          <a:prstGeom prst="rect">
-            <a:avLst/>
-          </a:prstGeom>
-          <a:solidFill>
-            <a:schemeClr val="accent4">
-              <a:lumMod val="60000"/>
-              <a:lumOff val="40000"/>
-            </a:schemeClr>
-          </a:solidFill>
-          <a:ln w="19050">
-            <a:solidFill>
-              <a:schemeClr val="accent4">
-                <a:lumMod val="60000"/>
-                <a:lumOff val="40000"/>
-              </a:schemeClr>
-            </a:solidFill>
-          </a:ln>
-          <a:effectLst/>
-        </p:spPr>
-        <p:style>
-          <a:lnRef idx="1">
-            <a:schemeClr val="accent2"/>
-          </a:lnRef>
-          <a:fillRef idx="2">
-            <a:schemeClr val="accent2"/>
-          </a:fillRef>
-          <a:effectRef idx="1">
-            <a:schemeClr val="accent2"/>
-          </a:effectRef>
-          <a:fontRef idx="minor">
-            <a:schemeClr val="dk1"/>
-          </a:fontRef>
-        </p:style>
-        <p:txBody>
-          <a:bodyPr rtlCol="0" anchor="ctr"/>
-          <a:lstStyle/>
-          <a:p>
-            <a:pPr algn="ctr"/>
-            <a:r>
-              <a:rPr lang="en-US" sz="1600" dirty="0">
-                <a:solidFill>
-                  <a:schemeClr val="bg1"/>
-                </a:solidFill>
-              </a:rPr>
-              <a:t>:Model</a:t>
-            </a:r>
-            <a:endParaRPr lang="en-SG" sz="1600" dirty="0">
-              <a:solidFill>
-                <a:schemeClr val="bg1"/>
-              </a:solidFill>
-            </a:endParaRPr>
-          </a:p>
-        </p:txBody>
-      </p:sp>
-      <p:cxnSp>
-        <p:nvCxnSpPr>
-          <p:cNvPr id="72" name="Straight Connector 71">
-            <a:extLst>
-              <a:ext uri="{FF2B5EF4-FFF2-40B4-BE49-F238E27FC236}">
-                <a16:creationId xmlns:a16="http://schemas.microsoft.com/office/drawing/2014/main" id="{0DC3BA6D-6D31-4636-9942-14A8D1AE0412}"/>
-              </a:ext>
-            </a:extLst>
-          </p:cNvPr>
-          <p:cNvCxnSpPr/>
-          <p:nvPr/>
-        </p:nvCxnSpPr>
-        <p:spPr>
-          <a:xfrm>
-            <a:off x="8074114" y="1828978"/>
-            <a:ext cx="0" cy="2830598"/>
-          </a:xfrm>
-          <a:prstGeom prst="line">
-            <a:avLst/>
-          </a:prstGeom>
-          <a:ln w="19050">
-            <a:solidFill>
-              <a:schemeClr val="accent4">
-                <a:lumMod val="60000"/>
-                <a:lumOff val="40000"/>
-              </a:schemeClr>
-            </a:solidFill>
-            <a:prstDash val="sysDash"/>
-          </a:ln>
-          <a:effectLst/>
-        </p:spPr>
-        <p:style>
-          <a:lnRef idx="1">
-            <a:schemeClr val="accent1"/>
-          </a:lnRef>
-          <a:fillRef idx="2">
-            <a:schemeClr val="accent1"/>
-          </a:fillRef>
-          <a:effectRef idx="1">
-            <a:schemeClr val="accent1"/>
-          </a:effectRef>
-          <a:fontRef idx="minor">
-            <a:schemeClr val="dk1"/>
-          </a:fontRef>
-        </p:style>
-      </p:cxnSp>
-      <p:sp>
-        <p:nvSpPr>
-          <p:cNvPr id="74" name="Rectangle 73">
-            <a:extLst>
-              <a:ext uri="{FF2B5EF4-FFF2-40B4-BE49-F238E27FC236}">
-                <a16:creationId xmlns:a16="http://schemas.microsoft.com/office/drawing/2014/main" id="{4FD1EF2B-5227-409F-8A01-A453206CC9A2}"/>
-              </a:ext>
-            </a:extLst>
-          </p:cNvPr>
-          <p:cNvSpPr/>
-          <p:nvPr/>
-        </p:nvSpPr>
-        <p:spPr>
-          <a:xfrm>
-            <a:off x="7996155" y="2716585"/>
-            <a:ext cx="152400" cy="199803"/>
-          </a:xfrm>
-          <a:prstGeom prst="rect">
-            <a:avLst/>
-          </a:prstGeom>
-          <a:solidFill>
-            <a:schemeClr val="accent4">
-              <a:lumMod val="60000"/>
-              <a:lumOff val="40000"/>
-            </a:schemeClr>
-          </a:solidFill>
-          <a:ln>
-            <a:solidFill>
-              <a:schemeClr val="accent4">
-                <a:lumMod val="60000"/>
-                <a:lumOff val="40000"/>
-              </a:schemeClr>
-            </a:solidFill>
-          </a:ln>
-          <a:effectLst/>
-        </p:spPr>
-        <p:style>
-          <a:lnRef idx="1">
-            <a:schemeClr val="accent3"/>
-          </a:lnRef>
-          <a:fillRef idx="2">
-            <a:schemeClr val="accent3"/>
-          </a:fillRef>
-          <a:effectRef idx="1">
-            <a:schemeClr val="accent3"/>
-          </a:effectRef>
-          <a:fontRef idx="minor">
-            <a:schemeClr val="dk1"/>
-          </a:fontRef>
-        </p:style>
-        <p:txBody>
-          <a:bodyPr rtlCol="0" anchor="ctr"/>
-          <a:lstStyle/>
-          <a:p>
-            <a:pPr algn="ctr"/>
-            <a:endParaRPr lang="en-SG" sz="1400">
-              <a:solidFill>
-                <a:schemeClr val="dk1"/>
-              </a:solidFill>
-            </a:endParaRPr>
-          </a:p>
-        </p:txBody>
-      </p:sp>
       <p:cxnSp>
         <p:nvCxnSpPr>
           <p:cNvPr id="85" name="Straight Arrow Connector 84">
@@ -5119,8 +4855,8 @@
         </p:nvSpPr>
         <p:spPr>
           <a:xfrm>
-            <a:off x="5232598" y="3909623"/>
-            <a:ext cx="1536891" cy="430887"/>
+            <a:off x="2771064" y="3104649"/>
+            <a:ext cx="1536891" cy="215444"/>
           </a:xfrm>
           <a:prstGeom prst="rect">
             <a:avLst/>
@@ -5150,7 +4886,7 @@
                   <a:srgbClr val="00B050"/>
                 </a:solidFill>
               </a:rPr>
-              <a:t>parseBirthdaysFromObservableList</a:t>
+              <a:t>updateList</a:t>
             </a:r>
             <a:r>
               <a:rPr lang="en-US" dirty="0">
@@ -5163,156 +4899,6 @@
           </a:p>
         </p:txBody>
       </p:sp>
-      <p:sp>
-        <p:nvSpPr>
-          <p:cNvPr id="120" name="Rectangle 119">
-            <a:extLst>
-              <a:ext uri="{FF2B5EF4-FFF2-40B4-BE49-F238E27FC236}">
-                <a16:creationId xmlns:a16="http://schemas.microsoft.com/office/drawing/2014/main" id="{BD360912-47C2-42B3-8222-CC97AEB0C63F}"/>
-              </a:ext>
-            </a:extLst>
-          </p:cNvPr>
-          <p:cNvSpPr/>
-          <p:nvPr/>
-        </p:nvSpPr>
-        <p:spPr>
-          <a:xfrm>
-            <a:off x="5059582" y="3884815"/>
-            <a:ext cx="186622" cy="403766"/>
-          </a:xfrm>
-          <a:prstGeom prst="rect">
-            <a:avLst/>
-          </a:prstGeom>
-          <a:solidFill>
-            <a:schemeClr val="accent3">
-              <a:lumMod val="75000"/>
-            </a:schemeClr>
-          </a:solidFill>
-          <a:ln>
-            <a:solidFill>
-              <a:schemeClr val="accent3">
-                <a:lumMod val="60000"/>
-                <a:lumOff val="40000"/>
-              </a:schemeClr>
-            </a:solidFill>
-          </a:ln>
-          <a:effectLst/>
-        </p:spPr>
-        <p:style>
-          <a:lnRef idx="1">
-            <a:schemeClr val="accent3"/>
-          </a:lnRef>
-          <a:fillRef idx="2">
-            <a:schemeClr val="accent3"/>
-          </a:fillRef>
-          <a:effectRef idx="1">
-            <a:schemeClr val="accent3"/>
-          </a:effectRef>
-          <a:fontRef idx="minor">
-            <a:schemeClr val="dk1"/>
-          </a:fontRef>
-        </p:style>
-        <p:txBody>
-          <a:bodyPr rtlCol="0" anchor="ctr"/>
-          <a:lstStyle/>
-          <a:p>
-            <a:pPr algn="ctr"/>
-            <a:endParaRPr lang="en-SG" sz="1400"/>
-          </a:p>
-        </p:txBody>
-      </p:sp>
-      <p:cxnSp>
-        <p:nvCxnSpPr>
-          <p:cNvPr id="121" name="Connector: Elbow 120">
-            <a:extLst>
-              <a:ext uri="{FF2B5EF4-FFF2-40B4-BE49-F238E27FC236}">
-                <a16:creationId xmlns:a16="http://schemas.microsoft.com/office/drawing/2014/main" id="{4FA6B0F2-958B-4E50-95E2-905DC616730B}"/>
-              </a:ext>
-            </a:extLst>
-          </p:cNvPr>
-          <p:cNvCxnSpPr>
-            <a:cxnSpLocks/>
-          </p:cNvCxnSpPr>
-          <p:nvPr/>
-        </p:nvCxnSpPr>
-        <p:spPr>
-          <a:xfrm rot="16200000" flipH="1">
-            <a:off x="5074353" y="3746707"/>
-            <a:ext cx="217045" cy="108784"/>
-          </a:xfrm>
-          <a:prstGeom prst="bentConnector3">
-            <a:avLst>
-              <a:gd name="adj1" fmla="val 50000"/>
-            </a:avLst>
-          </a:prstGeom>
-          <a:ln>
-            <a:solidFill>
-              <a:srgbClr val="00B050"/>
-            </a:solidFill>
-            <a:tailEnd type="triangle"/>
-          </a:ln>
-        </p:spPr>
-        <p:style>
-          <a:lnRef idx="1">
-            <a:schemeClr val="accent1"/>
-          </a:lnRef>
-          <a:fillRef idx="0">
-            <a:schemeClr val="accent1"/>
-          </a:fillRef>
-          <a:effectRef idx="0">
-            <a:schemeClr val="accent1"/>
-          </a:effectRef>
-          <a:fontRef idx="minor">
-            <a:schemeClr val="tx1"/>
-          </a:fontRef>
-        </p:style>
-      </p:cxnSp>
-      <p:cxnSp>
-        <p:nvCxnSpPr>
-          <p:cNvPr id="122" name="Connector: Elbow 121">
-            <a:extLst>
-              <a:ext uri="{FF2B5EF4-FFF2-40B4-BE49-F238E27FC236}">
-                <a16:creationId xmlns:a16="http://schemas.microsoft.com/office/drawing/2014/main" id="{305A1A1E-A9D1-4BE6-BC3C-BC0C772C2021}"/>
-              </a:ext>
-            </a:extLst>
-          </p:cNvPr>
-          <p:cNvCxnSpPr>
-            <a:cxnSpLocks/>
-          </p:cNvCxnSpPr>
-          <p:nvPr/>
-        </p:nvCxnSpPr>
-        <p:spPr>
-          <a:xfrm rot="5400000">
-            <a:off x="5108427" y="4268012"/>
-            <a:ext cx="131167" cy="91054"/>
-          </a:xfrm>
-          <a:prstGeom prst="bentConnector3">
-            <a:avLst>
-              <a:gd name="adj1" fmla="val 50000"/>
-            </a:avLst>
-          </a:prstGeom>
-          <a:ln>
-            <a:solidFill>
-              <a:srgbClr val="00B050"/>
-            </a:solidFill>
-            <a:tailEnd type="triangle"/>
-          </a:ln>
-        </p:spPr>
-        <p:style>
-          <a:lnRef idx="1">
-            <a:schemeClr val="accent1"/>
-          </a:lnRef>
-          <a:fillRef idx="0">
-            <a:schemeClr val="accent1"/>
-          </a:fillRef>
-          <a:effectRef idx="0">
-            <a:schemeClr val="accent1"/>
-          </a:effectRef>
-          <a:fontRef idx="minor">
-            <a:schemeClr val="tx1"/>
-          </a:fontRef>
-        </p:style>
-      </p:cxnSp>
       <p:cxnSp>
         <p:nvCxnSpPr>
           <p:cNvPr id="138" name="Straight Arrow Connector 137">

--- a/docs/diagrams/UiComponentBirthdayListSequenceDiagram.pptx
+++ b/docs/diagrams/UiComponentBirthdayListSequenceDiagram.pptx
@@ -208,7 +208,7 @@
           <a:p>
             <a:fld id="{F5CC4B3F-88C1-4FFA-B1B6-F41C21DC6924}" type="datetimeFigureOut">
               <a:rPr lang="en-US" smtClean="0"/>
-              <a:t>3/27/2018</a:t>
+              <a:t>3/28/2018</a:t>
             </a:fld>
             <a:endParaRPr lang="en-US"/>
           </a:p>
@@ -654,7 +654,7 @@
           <a:p>
             <a:fld id="{78C97017-6FC3-485B-9764-EAC9E56C1D49}" type="datetimeFigureOut">
               <a:rPr lang="en-US" smtClean="0"/>
-              <a:t>3/27/2018</a:t>
+              <a:t>3/28/2018</a:t>
             </a:fld>
             <a:endParaRPr lang="en-US"/>
           </a:p>
@@ -822,7 +822,7 @@
           <a:p>
             <a:fld id="{78C97017-6FC3-485B-9764-EAC9E56C1D49}" type="datetimeFigureOut">
               <a:rPr lang="en-US" smtClean="0"/>
-              <a:t>3/27/2018</a:t>
+              <a:t>3/28/2018</a:t>
             </a:fld>
             <a:endParaRPr lang="en-US"/>
           </a:p>
@@ -1000,7 +1000,7 @@
           <a:p>
             <a:fld id="{78C97017-6FC3-485B-9764-EAC9E56C1D49}" type="datetimeFigureOut">
               <a:rPr lang="en-US" smtClean="0"/>
-              <a:t>3/27/2018</a:t>
+              <a:t>3/28/2018</a:t>
             </a:fld>
             <a:endParaRPr lang="en-US"/>
           </a:p>
@@ -1168,7 +1168,7 @@
           <a:p>
             <a:fld id="{78C97017-6FC3-485B-9764-EAC9E56C1D49}" type="datetimeFigureOut">
               <a:rPr lang="en-US" smtClean="0"/>
-              <a:t>3/27/2018</a:t>
+              <a:t>3/28/2018</a:t>
             </a:fld>
             <a:endParaRPr lang="en-US"/>
           </a:p>
@@ -1413,7 +1413,7 @@
           <a:p>
             <a:fld id="{78C97017-6FC3-485B-9764-EAC9E56C1D49}" type="datetimeFigureOut">
               <a:rPr lang="en-US" smtClean="0"/>
-              <a:t>3/27/2018</a:t>
+              <a:t>3/28/2018</a:t>
             </a:fld>
             <a:endParaRPr lang="en-US"/>
           </a:p>
@@ -1698,7 +1698,7 @@
           <a:p>
             <a:fld id="{78C97017-6FC3-485B-9764-EAC9E56C1D49}" type="datetimeFigureOut">
               <a:rPr lang="en-US" smtClean="0"/>
-              <a:t>3/27/2018</a:t>
+              <a:t>3/28/2018</a:t>
             </a:fld>
             <a:endParaRPr lang="en-US"/>
           </a:p>
@@ -2117,7 +2117,7 @@
           <a:p>
             <a:fld id="{78C97017-6FC3-485B-9764-EAC9E56C1D49}" type="datetimeFigureOut">
               <a:rPr lang="en-US" smtClean="0"/>
-              <a:t>3/27/2018</a:t>
+              <a:t>3/28/2018</a:t>
             </a:fld>
             <a:endParaRPr lang="en-US"/>
           </a:p>
@@ -2234,7 +2234,7 @@
           <a:p>
             <a:fld id="{78C97017-6FC3-485B-9764-EAC9E56C1D49}" type="datetimeFigureOut">
               <a:rPr lang="en-US" smtClean="0"/>
-              <a:t>3/27/2018</a:t>
+              <a:t>3/28/2018</a:t>
             </a:fld>
             <a:endParaRPr lang="en-US"/>
           </a:p>
@@ -2329,7 +2329,7 @@
           <a:p>
             <a:fld id="{78C97017-6FC3-485B-9764-EAC9E56C1D49}" type="datetimeFigureOut">
               <a:rPr lang="en-US" smtClean="0"/>
-              <a:t>3/27/2018</a:t>
+              <a:t>3/28/2018</a:t>
             </a:fld>
             <a:endParaRPr lang="en-US"/>
           </a:p>
@@ -2604,7 +2604,7 @@
           <a:p>
             <a:fld id="{78C97017-6FC3-485B-9764-EAC9E56C1D49}" type="datetimeFigureOut">
               <a:rPr lang="en-US" smtClean="0"/>
-              <a:t>3/27/2018</a:t>
+              <a:t>3/28/2018</a:t>
             </a:fld>
             <a:endParaRPr lang="en-US"/>
           </a:p>
@@ -2856,7 +2856,7 @@
           <a:p>
             <a:fld id="{78C97017-6FC3-485B-9764-EAC9E56C1D49}" type="datetimeFigureOut">
               <a:rPr lang="en-US" smtClean="0"/>
-              <a:t>3/27/2018</a:t>
+              <a:t>3/28/2018</a:t>
             </a:fld>
             <a:endParaRPr lang="en-US"/>
           </a:p>
@@ -3067,7 +3067,7 @@
           <a:p>
             <a:fld id="{78C97017-6FC3-485B-9764-EAC9E56C1D49}" type="datetimeFigureOut">
               <a:rPr lang="en-US" smtClean="0"/>
-              <a:t>3/27/2018</a:t>
+              <a:t>3/28/2018</a:t>
             </a:fld>
             <a:endParaRPr lang="en-US"/>
           </a:p>
@@ -3636,44 +3636,6 @@
           </a:fontRef>
         </p:style>
       </p:cxnSp>
-      <p:cxnSp>
-        <p:nvCxnSpPr>
-          <p:cNvPr id="25" name="Straight Arrow Connector 24"/>
-          <p:cNvCxnSpPr>
-            <a:cxnSpLocks/>
-          </p:cNvCxnSpPr>
-          <p:nvPr/>
-        </p:nvCxnSpPr>
-        <p:spPr>
-          <a:xfrm flipV="1">
-            <a:off x="1653251" y="1688215"/>
-            <a:ext cx="2037166" cy="5571"/>
-          </a:xfrm>
-          <a:prstGeom prst="straightConnector1">
-            <a:avLst/>
-          </a:prstGeom>
-          <a:ln w="19050">
-            <a:solidFill>
-              <a:srgbClr val="00B050"/>
-            </a:solidFill>
-            <a:tailEnd type="arrow"/>
-          </a:ln>
-        </p:spPr>
-        <p:style>
-          <a:lnRef idx="1">
-            <a:schemeClr val="accent1"/>
-          </a:lnRef>
-          <a:fillRef idx="0">
-            <a:schemeClr val="accent1"/>
-          </a:fillRef>
-          <a:effectRef idx="0">
-            <a:schemeClr val="accent1"/>
-          </a:effectRef>
-          <a:fontRef idx="minor">
-            <a:schemeClr val="tx1"/>
-          </a:fontRef>
-        </p:style>
-      </p:cxnSp>
       <p:sp>
         <p:nvSpPr>
           <p:cNvPr id="26" name="TextBox 25"/>
@@ -3940,58 +3902,6 @@
       </p:sp>
       <p:sp>
         <p:nvSpPr>
-          <p:cNvPr id="80" name="TextBox 79"/>
-          <p:cNvSpPr txBox="1"/>
-          <p:nvPr/>
-        </p:nvSpPr>
-        <p:spPr>
-          <a:xfrm>
-            <a:off x="2154512" y="1422223"/>
-            <a:ext cx="1424846" cy="215444"/>
-          </a:xfrm>
-          <a:prstGeom prst="rect">
-            <a:avLst/>
-          </a:prstGeom>
-          <a:noFill/>
-        </p:spPr>
-        <p:txBody>
-          <a:bodyPr wrap="square" lIns="0" tIns="0" rIns="0" bIns="0" rtlCol="0">
-            <a:spAutoFit/>
-          </a:bodyPr>
-          <a:lstStyle>
-            <a:defPPr>
-              <a:defRPr lang="en-US"/>
-            </a:defPPr>
-            <a:lvl1pPr algn="r">
-              <a:defRPr sz="1400">
-                <a:solidFill>
-                  <a:srgbClr val="0070C0"/>
-                </a:solidFill>
-              </a:defRPr>
-            </a:lvl1pPr>
-          </a:lstStyle>
-          <a:p>
-            <a:r>
-              <a:rPr lang="en-US" dirty="0" err="1">
-                <a:solidFill>
-                  <a:srgbClr val="00B050"/>
-                </a:solidFill>
-              </a:rPr>
-              <a:t>getChildren</a:t>
-            </a:r>
-            <a:r>
-              <a:rPr lang="en-US" dirty="0">
-                <a:solidFill>
-                  <a:srgbClr val="00B050"/>
-                </a:solidFill>
-              </a:rPr>
-              <a:t>()</a:t>
-            </a:r>
-          </a:p>
-        </p:txBody>
-      </p:sp>
-      <p:sp>
-        <p:nvSpPr>
           <p:cNvPr id="47" name="Rectangle 8">
             <a:extLst>
               <a:ext uri="{FF2B5EF4-FFF2-40B4-BE49-F238E27FC236}">
@@ -4080,7 +3990,7 @@
         </p:nvSpPr>
         <p:spPr>
           <a:xfrm>
-            <a:off x="2713044" y="847933"/>
+            <a:off x="2713044" y="4724400"/>
             <a:ext cx="2058663" cy="446897"/>
           </a:xfrm>
           <a:prstGeom prst="rect">
@@ -4159,64 +4069,6 @@
                 </a:schemeClr>
               </a:solidFill>
             </a:endParaRPr>
-          </a:p>
-        </p:txBody>
-      </p:sp>
-      <p:sp>
-        <p:nvSpPr>
-          <p:cNvPr id="53" name="Rectangle 52">
-            <a:extLst>
-              <a:ext uri="{FF2B5EF4-FFF2-40B4-BE49-F238E27FC236}">
-                <a16:creationId xmlns:a16="http://schemas.microsoft.com/office/drawing/2014/main" id="{1C6A3127-0207-4E16-87FA-829A35FA83B6}"/>
-              </a:ext>
-            </a:extLst>
-          </p:cNvPr>
-          <p:cNvSpPr/>
-          <p:nvPr/>
-        </p:nvSpPr>
-        <p:spPr>
-          <a:xfrm>
-            <a:off x="3680083" y="1661918"/>
-            <a:ext cx="164728" cy="775242"/>
-          </a:xfrm>
-          <a:prstGeom prst="rect">
-            <a:avLst/>
-          </a:prstGeom>
-          <a:solidFill>
-            <a:schemeClr val="accent3">
-              <a:lumMod val="75000"/>
-            </a:schemeClr>
-          </a:solidFill>
-          <a:ln>
-            <a:solidFill>
-              <a:schemeClr val="accent3">
-                <a:lumMod val="60000"/>
-                <a:lumOff val="40000"/>
-              </a:schemeClr>
-            </a:solidFill>
-          </a:ln>
-          <a:effectLst/>
-        </p:spPr>
-        <p:style>
-          <a:lnRef idx="1">
-            <a:schemeClr val="accent3"/>
-          </a:lnRef>
-          <a:fillRef idx="2">
-            <a:schemeClr val="accent3"/>
-          </a:fillRef>
-          <a:effectRef idx="1">
-            <a:schemeClr val="accent3"/>
-          </a:effectRef>
-          <a:fontRef idx="minor">
-            <a:schemeClr val="dk1"/>
-          </a:fontRef>
-        </p:style>
-        <p:txBody>
-          <a:bodyPr rtlCol="0" anchor="ctr"/>
-          <a:lstStyle/>
-          <a:p>
-            <a:pPr algn="ctr"/>
-            <a:endParaRPr lang="en-SG" sz="1400"/>
           </a:p>
         </p:txBody>
       </p:sp>
@@ -4307,13 +4159,14 @@
           </p:cNvPr>
           <p:cNvCxnSpPr>
             <a:cxnSpLocks/>
+            <a:stCxn id="48" idx="2"/>
           </p:cNvCxnSpPr>
           <p:nvPr/>
         </p:nvCxnSpPr>
         <p:spPr>
           <a:xfrm>
-            <a:off x="3757442" y="1294830"/>
-            <a:ext cx="8083" cy="5366844"/>
+            <a:off x="3742376" y="5171297"/>
+            <a:ext cx="23149" cy="1490377"/>
           </a:xfrm>
           <a:prstGeom prst="line">
             <a:avLst/>
@@ -4340,110 +4193,6 @@
           </a:effectRef>
           <a:fontRef idx="minor">
             <a:schemeClr val="dk1"/>
-          </a:fontRef>
-        </p:style>
-      </p:cxnSp>
-      <p:sp>
-        <p:nvSpPr>
-          <p:cNvPr id="61" name="TextBox 60">
-            <a:extLst>
-              <a:ext uri="{FF2B5EF4-FFF2-40B4-BE49-F238E27FC236}">
-                <a16:creationId xmlns:a16="http://schemas.microsoft.com/office/drawing/2014/main" id="{10EA416C-92F6-4F2F-A168-30BBD5D752A9}"/>
-              </a:ext>
-            </a:extLst>
-          </p:cNvPr>
-          <p:cNvSpPr txBox="1"/>
-          <p:nvPr/>
-        </p:nvSpPr>
-        <p:spPr>
-          <a:xfrm>
-            <a:off x="3429000" y="1901738"/>
-            <a:ext cx="1424846" cy="215444"/>
-          </a:xfrm>
-          <a:prstGeom prst="rect">
-            <a:avLst/>
-          </a:prstGeom>
-          <a:noFill/>
-        </p:spPr>
-        <p:txBody>
-          <a:bodyPr wrap="square" lIns="0" tIns="0" rIns="0" bIns="0" rtlCol="0">
-            <a:spAutoFit/>
-          </a:bodyPr>
-          <a:lstStyle>
-            <a:defPPr>
-              <a:defRPr lang="en-US"/>
-            </a:defPPr>
-            <a:lvl1pPr algn="r">
-              <a:defRPr sz="1400">
-                <a:solidFill>
-                  <a:srgbClr val="0070C0"/>
-                </a:solidFill>
-              </a:defRPr>
-            </a:lvl1pPr>
-          </a:lstStyle>
-          <a:p>
-            <a:r>
-              <a:rPr lang="en-US" dirty="0" err="1">
-                <a:solidFill>
-                  <a:srgbClr val="00B050"/>
-                </a:solidFill>
-              </a:rPr>
-              <a:t>removeAll</a:t>
-            </a:r>
-            <a:r>
-              <a:rPr lang="en-US" dirty="0">
-                <a:solidFill>
-                  <a:srgbClr val="00B050"/>
-                </a:solidFill>
-              </a:rPr>
-              <a:t>()</a:t>
-            </a:r>
-          </a:p>
-        </p:txBody>
-      </p:sp>
-      <p:cxnSp>
-        <p:nvCxnSpPr>
-          <p:cNvPr id="62" name="Straight Arrow Connector 61">
-            <a:extLst>
-              <a:ext uri="{FF2B5EF4-FFF2-40B4-BE49-F238E27FC236}">
-                <a16:creationId xmlns:a16="http://schemas.microsoft.com/office/drawing/2014/main" id="{67B9293E-E010-459A-B101-42E0C8C0C817}"/>
-              </a:ext>
-            </a:extLst>
-          </p:cNvPr>
-          <p:cNvCxnSpPr>
-            <a:cxnSpLocks/>
-          </p:cNvCxnSpPr>
-          <p:nvPr/>
-        </p:nvCxnSpPr>
-        <p:spPr>
-          <a:xfrm flipV="1">
-            <a:off x="1676919" y="2421946"/>
-            <a:ext cx="2003164" cy="7208"/>
-          </a:xfrm>
-          <a:prstGeom prst="straightConnector1">
-            <a:avLst/>
-          </a:prstGeom>
-          <a:ln w="19050">
-            <a:solidFill>
-              <a:srgbClr val="00B050"/>
-            </a:solidFill>
-            <a:prstDash val="sysDash"/>
-            <a:headEnd type="arrow" w="med" len="med"/>
-            <a:tailEnd type="none" w="med" len="med"/>
-          </a:ln>
-        </p:spPr>
-        <p:style>
-          <a:lnRef idx="1">
-            <a:schemeClr val="accent1"/>
-          </a:lnRef>
-          <a:fillRef idx="0">
-            <a:schemeClr val="accent1"/>
-          </a:fillRef>
-          <a:effectRef idx="0">
-            <a:schemeClr val="accent1"/>
-          </a:effectRef>
-          <a:fontRef idx="minor">
-            <a:schemeClr val="tx1"/>
           </a:fontRef>
         </p:style>
       </p:cxnSp>
@@ -4634,157 +4383,6 @@
       </p:cxnSp>
       <p:sp>
         <p:nvSpPr>
-          <p:cNvPr id="97" name="Rectangle 96">
-            <a:extLst>
-              <a:ext uri="{FF2B5EF4-FFF2-40B4-BE49-F238E27FC236}">
-                <a16:creationId xmlns:a16="http://schemas.microsoft.com/office/drawing/2014/main" id="{E4DAB9B3-F6D3-422F-8C58-A56177AC9AAD}"/>
-              </a:ext>
-            </a:extLst>
-          </p:cNvPr>
-          <p:cNvSpPr/>
-          <p:nvPr/>
-        </p:nvSpPr>
-        <p:spPr>
-          <a:xfrm>
-            <a:off x="3775911" y="1852332"/>
-            <a:ext cx="173017" cy="403766"/>
-          </a:xfrm>
-          <a:prstGeom prst="rect">
-            <a:avLst/>
-          </a:prstGeom>
-          <a:solidFill>
-            <a:schemeClr val="accent3">
-              <a:lumMod val="75000"/>
-            </a:schemeClr>
-          </a:solidFill>
-          <a:ln>
-            <a:solidFill>
-              <a:schemeClr val="accent3">
-                <a:lumMod val="60000"/>
-                <a:lumOff val="40000"/>
-              </a:schemeClr>
-            </a:solidFill>
-          </a:ln>
-          <a:effectLst/>
-        </p:spPr>
-        <p:style>
-          <a:lnRef idx="1">
-            <a:schemeClr val="accent3"/>
-          </a:lnRef>
-          <a:fillRef idx="2">
-            <a:schemeClr val="accent3"/>
-          </a:fillRef>
-          <a:effectRef idx="1">
-            <a:schemeClr val="accent3"/>
-          </a:effectRef>
-          <a:fontRef idx="minor">
-            <a:schemeClr val="dk1"/>
-          </a:fontRef>
-        </p:style>
-        <p:txBody>
-          <a:bodyPr rtlCol="0" anchor="ctr"/>
-          <a:lstStyle/>
-          <a:p>
-            <a:pPr algn="ctr"/>
-            <a:endParaRPr lang="en-SG" sz="1400"/>
-          </a:p>
-        </p:txBody>
-      </p:sp>
-      <p:cxnSp>
-        <p:nvCxnSpPr>
-          <p:cNvPr id="99" name="Connector: Elbow 98">
-            <a:extLst>
-              <a:ext uri="{FF2B5EF4-FFF2-40B4-BE49-F238E27FC236}">
-                <a16:creationId xmlns:a16="http://schemas.microsoft.com/office/drawing/2014/main" id="{799D9D03-CF96-48E3-A341-5955093A373D}"/>
-              </a:ext>
-            </a:extLst>
-          </p:cNvPr>
-          <p:cNvCxnSpPr>
-            <a:cxnSpLocks/>
-            <a:stCxn id="53" idx="0"/>
-          </p:cNvCxnSpPr>
-          <p:nvPr/>
-        </p:nvCxnSpPr>
-        <p:spPr>
-          <a:xfrm rot="16200000" flipH="1">
-            <a:off x="3750409" y="1673955"/>
-            <a:ext cx="215223" cy="191148"/>
-          </a:xfrm>
-          <a:prstGeom prst="bentConnector3">
-            <a:avLst>
-              <a:gd name="adj1" fmla="val 865"/>
-            </a:avLst>
-          </a:prstGeom>
-          <a:ln>
-            <a:solidFill>
-              <a:srgbClr val="00B050"/>
-            </a:solidFill>
-            <a:tailEnd type="triangle"/>
-          </a:ln>
-        </p:spPr>
-        <p:style>
-          <a:lnRef idx="1">
-            <a:schemeClr val="accent1"/>
-          </a:lnRef>
-          <a:fillRef idx="0">
-            <a:schemeClr val="accent1"/>
-          </a:fillRef>
-          <a:effectRef idx="0">
-            <a:schemeClr val="accent1"/>
-          </a:effectRef>
-          <a:fontRef idx="minor">
-            <a:schemeClr val="tx1"/>
-          </a:fontRef>
-        </p:style>
-      </p:cxnSp>
-      <p:cxnSp>
-        <p:nvCxnSpPr>
-          <p:cNvPr id="113" name="Connector: Elbow 112">
-            <a:extLst>
-              <a:ext uri="{FF2B5EF4-FFF2-40B4-BE49-F238E27FC236}">
-                <a16:creationId xmlns:a16="http://schemas.microsoft.com/office/drawing/2014/main" id="{4CFB6019-BA3B-45BA-88FD-B4BABEB86A97}"/>
-              </a:ext>
-            </a:extLst>
-          </p:cNvPr>
-          <p:cNvCxnSpPr>
-            <a:cxnSpLocks/>
-          </p:cNvCxnSpPr>
-          <p:nvPr/>
-        </p:nvCxnSpPr>
-        <p:spPr>
-          <a:xfrm rot="5400000">
-            <a:off x="3824755" y="2235530"/>
-            <a:ext cx="131167" cy="91054"/>
-          </a:xfrm>
-          <a:prstGeom prst="bentConnector3">
-            <a:avLst>
-              <a:gd name="adj1" fmla="val 106677"/>
-            </a:avLst>
-          </a:prstGeom>
-          <a:ln>
-            <a:solidFill>
-              <a:srgbClr val="00B050"/>
-            </a:solidFill>
-            <a:tailEnd type="triangle"/>
-          </a:ln>
-        </p:spPr>
-        <p:style>
-          <a:lnRef idx="1">
-            <a:schemeClr val="accent1"/>
-          </a:lnRef>
-          <a:fillRef idx="0">
-            <a:schemeClr val="accent1"/>
-          </a:fillRef>
-          <a:effectRef idx="0">
-            <a:schemeClr val="accent1"/>
-          </a:effectRef>
-          <a:fontRef idx="minor">
-            <a:schemeClr val="tx1"/>
-          </a:fontRef>
-        </p:style>
-      </p:cxnSp>
-      <p:sp>
-        <p:nvSpPr>
           <p:cNvPr id="118" name="Rectangle 117">
             <a:extLst>
               <a:ext uri="{FF2B5EF4-FFF2-40B4-BE49-F238E27FC236}">
@@ -4917,413 +4515,6 @@
           <a:xfrm>
             <a:off x="1669953" y="4566608"/>
             <a:ext cx="3261857" cy="0"/>
-          </a:xfrm>
-          <a:prstGeom prst="straightConnector1">
-            <a:avLst/>
-          </a:prstGeom>
-          <a:ln w="19050">
-            <a:solidFill>
-              <a:srgbClr val="00B050"/>
-            </a:solidFill>
-            <a:prstDash val="sysDash"/>
-            <a:headEnd type="arrow" w="med" len="med"/>
-            <a:tailEnd type="none" w="med" len="med"/>
-          </a:ln>
-        </p:spPr>
-        <p:style>
-          <a:lnRef idx="1">
-            <a:schemeClr val="accent1"/>
-          </a:lnRef>
-          <a:fillRef idx="0">
-            <a:schemeClr val="accent1"/>
-          </a:fillRef>
-          <a:effectRef idx="0">
-            <a:schemeClr val="accent1"/>
-          </a:effectRef>
-          <a:fontRef idx="minor">
-            <a:schemeClr val="tx1"/>
-          </a:fontRef>
-        </p:style>
-      </p:cxnSp>
-      <p:sp>
-        <p:nvSpPr>
-          <p:cNvPr id="142" name="Rectangle 141">
-            <a:extLst>
-              <a:ext uri="{FF2B5EF4-FFF2-40B4-BE49-F238E27FC236}">
-                <a16:creationId xmlns:a16="http://schemas.microsoft.com/office/drawing/2014/main" id="{89F3E461-5B0C-4600-BE9E-792E8C36A359}"/>
-              </a:ext>
-            </a:extLst>
-          </p:cNvPr>
-          <p:cNvSpPr/>
-          <p:nvPr/>
-        </p:nvSpPr>
-        <p:spPr>
-          <a:xfrm>
-            <a:off x="3662474" y="4636922"/>
-            <a:ext cx="164728" cy="775242"/>
-          </a:xfrm>
-          <a:prstGeom prst="rect">
-            <a:avLst/>
-          </a:prstGeom>
-          <a:solidFill>
-            <a:schemeClr val="accent3">
-              <a:lumMod val="75000"/>
-            </a:schemeClr>
-          </a:solidFill>
-          <a:ln>
-            <a:solidFill>
-              <a:schemeClr val="accent3">
-                <a:lumMod val="60000"/>
-                <a:lumOff val="40000"/>
-              </a:schemeClr>
-            </a:solidFill>
-          </a:ln>
-          <a:effectLst/>
-        </p:spPr>
-        <p:style>
-          <a:lnRef idx="1">
-            <a:schemeClr val="accent3"/>
-          </a:lnRef>
-          <a:fillRef idx="2">
-            <a:schemeClr val="accent3"/>
-          </a:fillRef>
-          <a:effectRef idx="1">
-            <a:schemeClr val="accent3"/>
-          </a:effectRef>
-          <a:fontRef idx="minor">
-            <a:schemeClr val="dk1"/>
-          </a:fontRef>
-        </p:style>
-        <p:txBody>
-          <a:bodyPr rtlCol="0" anchor="ctr"/>
-          <a:lstStyle/>
-          <a:p>
-            <a:pPr algn="ctr"/>
-            <a:endParaRPr lang="en-SG" sz="1400"/>
-          </a:p>
-        </p:txBody>
-      </p:sp>
-      <p:sp>
-        <p:nvSpPr>
-          <p:cNvPr id="143" name="TextBox 142">
-            <a:extLst>
-              <a:ext uri="{FF2B5EF4-FFF2-40B4-BE49-F238E27FC236}">
-                <a16:creationId xmlns:a16="http://schemas.microsoft.com/office/drawing/2014/main" id="{85B02C4F-7E84-4737-84A8-50F6B4874EF9}"/>
-              </a:ext>
-            </a:extLst>
-          </p:cNvPr>
-          <p:cNvSpPr txBox="1"/>
-          <p:nvPr/>
-        </p:nvSpPr>
-        <p:spPr>
-          <a:xfrm>
-            <a:off x="3844810" y="4924772"/>
-            <a:ext cx="560440" cy="215223"/>
-          </a:xfrm>
-          <a:prstGeom prst="rect">
-            <a:avLst/>
-          </a:prstGeom>
-          <a:noFill/>
-        </p:spPr>
-        <p:txBody>
-          <a:bodyPr wrap="square" lIns="0" tIns="0" rIns="0" bIns="0" rtlCol="0">
-            <a:spAutoFit/>
-          </a:bodyPr>
-          <a:lstStyle>
-            <a:defPPr>
-              <a:defRPr lang="en-US"/>
-            </a:defPPr>
-            <a:lvl1pPr algn="r">
-              <a:defRPr sz="1400">
-                <a:solidFill>
-                  <a:srgbClr val="0070C0"/>
-                </a:solidFill>
-              </a:defRPr>
-            </a:lvl1pPr>
-          </a:lstStyle>
-          <a:p>
-            <a:r>
-              <a:rPr lang="en-US" dirty="0">
-                <a:solidFill>
-                  <a:srgbClr val="00B050"/>
-                </a:solidFill>
-              </a:rPr>
-              <a:t>add()</a:t>
-            </a:r>
-          </a:p>
-        </p:txBody>
-      </p:sp>
-      <p:sp>
-        <p:nvSpPr>
-          <p:cNvPr id="144" name="Rectangle 143">
-            <a:extLst>
-              <a:ext uri="{FF2B5EF4-FFF2-40B4-BE49-F238E27FC236}">
-                <a16:creationId xmlns:a16="http://schemas.microsoft.com/office/drawing/2014/main" id="{87E7DDC0-3D88-4920-8304-35033D3F92AC}"/>
-              </a:ext>
-            </a:extLst>
-          </p:cNvPr>
-          <p:cNvSpPr/>
-          <p:nvPr/>
-        </p:nvSpPr>
-        <p:spPr>
-          <a:xfrm>
-            <a:off x="3758302" y="4827336"/>
-            <a:ext cx="173017" cy="403766"/>
-          </a:xfrm>
-          <a:prstGeom prst="rect">
-            <a:avLst/>
-          </a:prstGeom>
-          <a:solidFill>
-            <a:schemeClr val="accent3">
-              <a:lumMod val="75000"/>
-            </a:schemeClr>
-          </a:solidFill>
-          <a:ln>
-            <a:solidFill>
-              <a:schemeClr val="accent3">
-                <a:lumMod val="60000"/>
-                <a:lumOff val="40000"/>
-              </a:schemeClr>
-            </a:solidFill>
-          </a:ln>
-          <a:effectLst/>
-        </p:spPr>
-        <p:style>
-          <a:lnRef idx="1">
-            <a:schemeClr val="accent3"/>
-          </a:lnRef>
-          <a:fillRef idx="2">
-            <a:schemeClr val="accent3"/>
-          </a:fillRef>
-          <a:effectRef idx="1">
-            <a:schemeClr val="accent3"/>
-          </a:effectRef>
-          <a:fontRef idx="minor">
-            <a:schemeClr val="dk1"/>
-          </a:fontRef>
-        </p:style>
-        <p:txBody>
-          <a:bodyPr rtlCol="0" anchor="ctr"/>
-          <a:lstStyle/>
-          <a:p>
-            <a:pPr algn="ctr"/>
-            <a:endParaRPr lang="en-SG" sz="1400"/>
-          </a:p>
-        </p:txBody>
-      </p:sp>
-      <p:cxnSp>
-        <p:nvCxnSpPr>
-          <p:cNvPr id="145" name="Connector: Elbow 144">
-            <a:extLst>
-              <a:ext uri="{FF2B5EF4-FFF2-40B4-BE49-F238E27FC236}">
-                <a16:creationId xmlns:a16="http://schemas.microsoft.com/office/drawing/2014/main" id="{06403CDC-D29B-4EA3-A3BA-CBE0E236D62A}"/>
-              </a:ext>
-            </a:extLst>
-          </p:cNvPr>
-          <p:cNvCxnSpPr>
-            <a:cxnSpLocks/>
-            <a:stCxn id="142" idx="0"/>
-          </p:cNvCxnSpPr>
-          <p:nvPr/>
-        </p:nvCxnSpPr>
-        <p:spPr>
-          <a:xfrm rot="16200000" flipH="1">
-            <a:off x="3732800" y="4648959"/>
-            <a:ext cx="215223" cy="191148"/>
-          </a:xfrm>
-          <a:prstGeom prst="bentConnector3">
-            <a:avLst>
-              <a:gd name="adj1" fmla="val 865"/>
-            </a:avLst>
-          </a:prstGeom>
-          <a:ln>
-            <a:solidFill>
-              <a:srgbClr val="00B050"/>
-            </a:solidFill>
-            <a:tailEnd type="triangle"/>
-          </a:ln>
-        </p:spPr>
-        <p:style>
-          <a:lnRef idx="1">
-            <a:schemeClr val="accent1"/>
-          </a:lnRef>
-          <a:fillRef idx="0">
-            <a:schemeClr val="accent1"/>
-          </a:fillRef>
-          <a:effectRef idx="0">
-            <a:schemeClr val="accent1"/>
-          </a:effectRef>
-          <a:fontRef idx="minor">
-            <a:schemeClr val="tx1"/>
-          </a:fontRef>
-        </p:style>
-      </p:cxnSp>
-      <p:cxnSp>
-        <p:nvCxnSpPr>
-          <p:cNvPr id="146" name="Connector: Elbow 145">
-            <a:extLst>
-              <a:ext uri="{FF2B5EF4-FFF2-40B4-BE49-F238E27FC236}">
-                <a16:creationId xmlns:a16="http://schemas.microsoft.com/office/drawing/2014/main" id="{C5479719-D0A8-43C3-9CF0-B05F266B95BE}"/>
-              </a:ext>
-            </a:extLst>
-          </p:cNvPr>
-          <p:cNvCxnSpPr>
-            <a:cxnSpLocks/>
-          </p:cNvCxnSpPr>
-          <p:nvPr/>
-        </p:nvCxnSpPr>
-        <p:spPr>
-          <a:xfrm rot="5400000">
-            <a:off x="3807146" y="5210534"/>
-            <a:ext cx="131167" cy="91054"/>
-          </a:xfrm>
-          <a:prstGeom prst="bentConnector3">
-            <a:avLst>
-              <a:gd name="adj1" fmla="val 106677"/>
-            </a:avLst>
-          </a:prstGeom>
-          <a:ln>
-            <a:solidFill>
-              <a:srgbClr val="00B050"/>
-            </a:solidFill>
-            <a:tailEnd type="triangle"/>
-          </a:ln>
-        </p:spPr>
-        <p:style>
-          <a:lnRef idx="1">
-            <a:schemeClr val="accent1"/>
-          </a:lnRef>
-          <a:fillRef idx="0">
-            <a:schemeClr val="accent1"/>
-          </a:fillRef>
-          <a:effectRef idx="0">
-            <a:schemeClr val="accent1"/>
-          </a:effectRef>
-          <a:fontRef idx="minor">
-            <a:schemeClr val="tx1"/>
-          </a:fontRef>
-        </p:style>
-      </p:cxnSp>
-      <p:cxnSp>
-        <p:nvCxnSpPr>
-          <p:cNvPr id="147" name="Straight Arrow Connector 146">
-            <a:extLst>
-              <a:ext uri="{FF2B5EF4-FFF2-40B4-BE49-F238E27FC236}">
-                <a16:creationId xmlns:a16="http://schemas.microsoft.com/office/drawing/2014/main" id="{E949B510-8869-4C0D-BAC1-31914ABD9923}"/>
-              </a:ext>
-            </a:extLst>
-          </p:cNvPr>
-          <p:cNvCxnSpPr>
-            <a:cxnSpLocks/>
-          </p:cNvCxnSpPr>
-          <p:nvPr/>
-        </p:nvCxnSpPr>
-        <p:spPr>
-          <a:xfrm flipV="1">
-            <a:off x="1635453" y="4658583"/>
-            <a:ext cx="2037166" cy="5571"/>
-          </a:xfrm>
-          <a:prstGeom prst="straightConnector1">
-            <a:avLst/>
-          </a:prstGeom>
-          <a:ln w="19050">
-            <a:solidFill>
-              <a:srgbClr val="00B050"/>
-            </a:solidFill>
-            <a:tailEnd type="arrow"/>
-          </a:ln>
-        </p:spPr>
-        <p:style>
-          <a:lnRef idx="1">
-            <a:schemeClr val="accent1"/>
-          </a:lnRef>
-          <a:fillRef idx="0">
-            <a:schemeClr val="accent1"/>
-          </a:fillRef>
-          <a:effectRef idx="0">
-            <a:schemeClr val="accent1"/>
-          </a:effectRef>
-          <a:fontRef idx="minor">
-            <a:schemeClr val="tx1"/>
-          </a:fontRef>
-        </p:style>
-      </p:cxnSp>
-      <p:sp>
-        <p:nvSpPr>
-          <p:cNvPr id="148" name="TextBox 147">
-            <a:extLst>
-              <a:ext uri="{FF2B5EF4-FFF2-40B4-BE49-F238E27FC236}">
-                <a16:creationId xmlns:a16="http://schemas.microsoft.com/office/drawing/2014/main" id="{CF2B0264-DC66-42F4-A0F4-3477655EBA33}"/>
-              </a:ext>
-            </a:extLst>
-          </p:cNvPr>
-          <p:cNvSpPr txBox="1"/>
-          <p:nvPr/>
-        </p:nvSpPr>
-        <p:spPr>
-          <a:xfrm>
-            <a:off x="2157517" y="4709328"/>
-            <a:ext cx="1424846" cy="215444"/>
-          </a:xfrm>
-          <a:prstGeom prst="rect">
-            <a:avLst/>
-          </a:prstGeom>
-          <a:noFill/>
-        </p:spPr>
-        <p:txBody>
-          <a:bodyPr wrap="square" lIns="0" tIns="0" rIns="0" bIns="0" rtlCol="0">
-            <a:spAutoFit/>
-          </a:bodyPr>
-          <a:lstStyle>
-            <a:defPPr>
-              <a:defRPr lang="en-US"/>
-            </a:defPPr>
-            <a:lvl1pPr algn="r">
-              <a:defRPr sz="1400">
-                <a:solidFill>
-                  <a:srgbClr val="0070C0"/>
-                </a:solidFill>
-              </a:defRPr>
-            </a:lvl1pPr>
-          </a:lstStyle>
-          <a:p>
-            <a:r>
-              <a:rPr lang="en-US" dirty="0" err="1">
-                <a:solidFill>
-                  <a:srgbClr val="00B050"/>
-                </a:solidFill>
-              </a:rPr>
-              <a:t>getChildren</a:t>
-            </a:r>
-            <a:r>
-              <a:rPr lang="en-US" dirty="0">
-                <a:solidFill>
-                  <a:srgbClr val="00B050"/>
-                </a:solidFill>
-              </a:rPr>
-              <a:t>()</a:t>
-            </a:r>
-          </a:p>
-        </p:txBody>
-      </p:sp>
-      <p:cxnSp>
-        <p:nvCxnSpPr>
-          <p:cNvPr id="149" name="Straight Arrow Connector 148">
-            <a:extLst>
-              <a:ext uri="{FF2B5EF4-FFF2-40B4-BE49-F238E27FC236}">
-                <a16:creationId xmlns:a16="http://schemas.microsoft.com/office/drawing/2014/main" id="{EC0F967A-D1A5-4A9F-AB83-8C7E5A1915B7}"/>
-              </a:ext>
-            </a:extLst>
-          </p:cNvPr>
-          <p:cNvCxnSpPr>
-            <a:cxnSpLocks/>
-          </p:cNvCxnSpPr>
-          <p:nvPr/>
-        </p:nvCxnSpPr>
-        <p:spPr>
-          <a:xfrm flipV="1">
-            <a:off x="1659121" y="5392314"/>
-            <a:ext cx="2003164" cy="7208"/>
           </a:xfrm>
           <a:prstGeom prst="straightConnector1">
             <a:avLst/>
